--- a/Hypothesis testing/Hypothesis_Testing_Assignment.pptx
+++ b/Hypothesis testing/Hypothesis_Testing_Assignment.pptx
@@ -8,7 +8,8 @@
     <p:sldId id="257" r:id="rId2"/>
     <p:sldId id="260" r:id="rId3"/>
     <p:sldId id="264" r:id="rId4"/>
-    <p:sldId id="265" r:id="rId5"/>
+    <p:sldId id="266" r:id="rId5"/>
+    <p:sldId id="265" r:id="rId6"/>
   </p:sldIdLst>
   <p:sldSz cx="9144000" cy="6858000" type="screen4x3"/>
   <p:notesSz cx="6858000" cy="9144000"/>
@@ -305,7 +306,7 @@
           <a:p>
             <a:fld id="{A4DC450F-A4CA-D740-B776-A40C57C2E1FF}" type="datetimeFigureOut">
               <a:rPr lang="en-US" smtClean="0"/>
-              <a:t>7/9/2023</a:t>
+              <a:t>7/20/2023</a:t>
             </a:fld>
             <a:endParaRPr lang="en-US"/>
           </a:p>
@@ -473,7 +474,7 @@
           <a:p>
             <a:fld id="{A4DC450F-A4CA-D740-B776-A40C57C2E1FF}" type="datetimeFigureOut">
               <a:rPr lang="en-US" smtClean="0"/>
-              <a:t>7/9/2023</a:t>
+              <a:t>7/20/2023</a:t>
             </a:fld>
             <a:endParaRPr lang="en-US"/>
           </a:p>
@@ -651,7 +652,7 @@
           <a:p>
             <a:fld id="{A4DC450F-A4CA-D740-B776-A40C57C2E1FF}" type="datetimeFigureOut">
               <a:rPr lang="en-US" smtClean="0"/>
-              <a:t>7/9/2023</a:t>
+              <a:t>7/20/2023</a:t>
             </a:fld>
             <a:endParaRPr lang="en-US"/>
           </a:p>
@@ -819,7 +820,7 @@
           <a:p>
             <a:fld id="{A4DC450F-A4CA-D740-B776-A40C57C2E1FF}" type="datetimeFigureOut">
               <a:rPr lang="en-US" smtClean="0"/>
-              <a:t>7/9/2023</a:t>
+              <a:t>7/20/2023</a:t>
             </a:fld>
             <a:endParaRPr lang="en-US"/>
           </a:p>
@@ -1064,7 +1065,7 @@
           <a:p>
             <a:fld id="{A4DC450F-A4CA-D740-B776-A40C57C2E1FF}" type="datetimeFigureOut">
               <a:rPr lang="en-US" smtClean="0"/>
-              <a:t>7/9/2023</a:t>
+              <a:t>7/20/2023</a:t>
             </a:fld>
             <a:endParaRPr lang="en-US"/>
           </a:p>
@@ -1349,7 +1350,7 @@
           <a:p>
             <a:fld id="{A4DC450F-A4CA-D740-B776-A40C57C2E1FF}" type="datetimeFigureOut">
               <a:rPr lang="en-US" smtClean="0"/>
-              <a:t>7/9/2023</a:t>
+              <a:t>7/20/2023</a:t>
             </a:fld>
             <a:endParaRPr lang="en-US"/>
           </a:p>
@@ -1768,7 +1769,7 @@
           <a:p>
             <a:fld id="{A4DC450F-A4CA-D740-B776-A40C57C2E1FF}" type="datetimeFigureOut">
               <a:rPr lang="en-US" smtClean="0"/>
-              <a:t>7/9/2023</a:t>
+              <a:t>7/20/2023</a:t>
             </a:fld>
             <a:endParaRPr lang="en-US"/>
           </a:p>
@@ -1885,7 +1886,7 @@
           <a:p>
             <a:fld id="{A4DC450F-A4CA-D740-B776-A40C57C2E1FF}" type="datetimeFigureOut">
               <a:rPr lang="en-US" smtClean="0"/>
-              <a:t>7/9/2023</a:t>
+              <a:t>7/20/2023</a:t>
             </a:fld>
             <a:endParaRPr lang="en-US"/>
           </a:p>
@@ -1980,7 +1981,7 @@
           <a:p>
             <a:fld id="{A4DC450F-A4CA-D740-B776-A40C57C2E1FF}" type="datetimeFigureOut">
               <a:rPr lang="en-US" smtClean="0"/>
-              <a:t>7/9/2023</a:t>
+              <a:t>7/20/2023</a:t>
             </a:fld>
             <a:endParaRPr lang="en-US"/>
           </a:p>
@@ -2255,7 +2256,7 @@
           <a:p>
             <a:fld id="{A4DC450F-A4CA-D740-B776-A40C57C2E1FF}" type="datetimeFigureOut">
               <a:rPr lang="en-US" smtClean="0"/>
-              <a:t>7/9/2023</a:t>
+              <a:t>7/20/2023</a:t>
             </a:fld>
             <a:endParaRPr lang="en-US"/>
           </a:p>
@@ -2507,7 +2508,7 @@
           <a:p>
             <a:fld id="{A4DC450F-A4CA-D740-B776-A40C57C2E1FF}" type="datetimeFigureOut">
               <a:rPr lang="en-US" smtClean="0"/>
-              <a:t>7/9/2023</a:t>
+              <a:t>7/20/2023</a:t>
             </a:fld>
             <a:endParaRPr lang="en-US"/>
           </a:p>
@@ -2718,7 +2719,7 @@
           <a:p>
             <a:fld id="{A4DC450F-A4CA-D740-B776-A40C57C2E1FF}" type="datetimeFigureOut">
               <a:rPr lang="en-US" smtClean="0"/>
-              <a:t>7/9/2023</a:t>
+              <a:t>7/20/2023</a:t>
             </a:fld>
             <a:endParaRPr lang="en-US"/>
           </a:p>
@@ -3141,7 +3142,7 @@
         </p:spPr>
         <p:txBody>
           <a:bodyPr>
-            <a:normAutofit/>
+            <a:normAutofit fontScale="92500" lnSpcReduction="20000"/>
           </a:bodyPr>
           <a:lstStyle/>
           <a:p>
@@ -3189,6 +3190,59 @@
                 <a:effectLst/>
               </a:rPr>
               <a:t>Thus Alternate hypothesis as Ha: μ1 ≠ μ2, 2 Sample 2 Tail test applicable</a:t>
+            </a:r>
+          </a:p>
+          <a:p>
+            <a:pPr>
+              <a:buNone/>
+            </a:pPr>
+            <a:r>
+              <a:rPr lang="en-US" sz="2400" dirty="0"/>
+              <a:t>      </a:t>
+            </a:r>
+            <a:r>
+              <a:rPr lang="en-US" sz="2400" dirty="0">
+                <a:solidFill>
+                  <a:srgbClr val="00B050"/>
+                </a:solidFill>
+              </a:rPr>
+              <a:t>p value= 0.47223</a:t>
+            </a:r>
+          </a:p>
+          <a:p>
+            <a:pPr>
+              <a:buNone/>
+            </a:pPr>
+            <a:endParaRPr lang="en-US" sz="2400" dirty="0">
+              <a:solidFill>
+                <a:srgbClr val="00B050"/>
+              </a:solidFill>
+            </a:endParaRPr>
+          </a:p>
+          <a:p>
+            <a:pPr>
+              <a:buNone/>
+            </a:pPr>
+            <a:r>
+              <a:rPr lang="en-US" sz="2400" dirty="0">
+                <a:solidFill>
+                  <a:srgbClr val="00B050"/>
+                </a:solidFill>
+              </a:rPr>
+              <a:t>      As the p-value is greater than 0.05</a:t>
+            </a:r>
+          </a:p>
+          <a:p>
+            <a:pPr>
+              <a:buNone/>
+            </a:pPr>
+            <a:r>
+              <a:rPr lang="en-US" sz="2400" dirty="0">
+                <a:solidFill>
+                  <a:srgbClr val="00B050"/>
+                </a:solidFill>
+              </a:rPr>
+              <a:t>      we will go with the h0</a:t>
             </a:r>
           </a:p>
           <a:p>
@@ -3292,7 +3346,7 @@
         </p:spPr>
         <p:txBody>
           <a:bodyPr>
-            <a:normAutofit fontScale="70000" lnSpcReduction="20000"/>
+            <a:normAutofit fontScale="47500" lnSpcReduction="20000"/>
           </a:bodyPr>
           <a:lstStyle/>
           <a:p>
@@ -3400,6 +3454,114 @@
               <a:buNone/>
             </a:pPr>
             <a:endParaRPr lang="en-US" dirty="0"/>
+          </a:p>
+          <a:p>
+            <a:pPr>
+              <a:buNone/>
+            </a:pPr>
+            <a:r>
+              <a:rPr lang="en-US" dirty="0">
+                <a:solidFill>
+                  <a:srgbClr val="00B050"/>
+                </a:solidFill>
+              </a:rPr>
+              <a:t>here , h0:L1=L2=L3=L4</a:t>
+            </a:r>
+          </a:p>
+          <a:p>
+            <a:pPr>
+              <a:buNone/>
+            </a:pPr>
+            <a:r>
+              <a:rPr lang="en-US" dirty="0">
+                <a:solidFill>
+                  <a:srgbClr val="00B050"/>
+                </a:solidFill>
+              </a:rPr>
+              <a:t>       h1: one of them are not are not equal</a:t>
+            </a:r>
+          </a:p>
+          <a:p>
+            <a:pPr>
+              <a:buNone/>
+            </a:pPr>
+            <a:endParaRPr lang="en-US" dirty="0">
+              <a:solidFill>
+                <a:srgbClr val="00B050"/>
+              </a:solidFill>
+            </a:endParaRPr>
+          </a:p>
+          <a:p>
+            <a:pPr>
+              <a:buNone/>
+            </a:pPr>
+            <a:r>
+              <a:rPr lang="en-US" dirty="0">
+                <a:solidFill>
+                  <a:srgbClr val="00B050"/>
+                </a:solidFill>
+              </a:rPr>
+              <a:t>ANOVA test: </a:t>
+            </a:r>
+          </a:p>
+          <a:p>
+            <a:pPr>
+              <a:buNone/>
+            </a:pPr>
+            <a:endParaRPr lang="en-US" dirty="0">
+              <a:solidFill>
+                <a:srgbClr val="00B050"/>
+              </a:solidFill>
+            </a:endParaRPr>
+          </a:p>
+          <a:p>
+            <a:pPr>
+              <a:buNone/>
+            </a:pPr>
+            <a:r>
+              <a:rPr lang="en-US" dirty="0">
+                <a:solidFill>
+                  <a:srgbClr val="00B050"/>
+                </a:solidFill>
+              </a:rPr>
+              <a:t>We get p-value=2.1156708949992414e-57</a:t>
+            </a:r>
+          </a:p>
+          <a:p>
+            <a:pPr>
+              <a:buNone/>
+            </a:pPr>
+            <a:endParaRPr lang="en-US" dirty="0">
+              <a:solidFill>
+                <a:srgbClr val="00B050"/>
+              </a:solidFill>
+            </a:endParaRPr>
+          </a:p>
+          <a:p>
+            <a:pPr>
+              <a:buNone/>
+            </a:pPr>
+            <a:r>
+              <a:rPr lang="en-US" dirty="0">
+                <a:solidFill>
+                  <a:srgbClr val="00B050"/>
+                </a:solidFill>
+              </a:rPr>
+              <a:t>As we can see that the p value is very less that 0.05</a:t>
+            </a:r>
+          </a:p>
+          <a:p>
+            <a:pPr>
+              <a:buNone/>
+            </a:pPr>
+            <a:r>
+              <a:rPr lang="en-US" dirty="0">
+                <a:solidFill>
+                  <a:srgbClr val="00B050"/>
+                </a:solidFill>
+              </a:rPr>
+              <a:t>we can say that there is difference in average TAT among the different laboratories.</a:t>
+            </a:r>
           </a:p>
           <a:p>
             <a:pPr>
@@ -4134,6 +4296,179 @@
       </p:grpSpPr>
       <p:sp>
         <p:nvSpPr>
+          <p:cNvPr id="3" name="TextBox 2">
+            <a:extLst>
+              <a:ext uri="{FF2B5EF4-FFF2-40B4-BE49-F238E27FC236}">
+                <a16:creationId xmlns:a16="http://schemas.microsoft.com/office/drawing/2014/main" id="{E34261F5-5E0A-9290-09CD-B59BB2741ECB}"/>
+              </a:ext>
+            </a:extLst>
+          </p:cNvPr>
+          <p:cNvSpPr txBox="1"/>
+          <p:nvPr/>
+        </p:nvSpPr>
+        <p:spPr>
+          <a:xfrm>
+            <a:off x="457200" y="831274"/>
+            <a:ext cx="6400800" cy="3693319"/>
+          </a:xfrm>
+          <a:prstGeom prst="rect">
+            <a:avLst/>
+          </a:prstGeom>
+          <a:noFill/>
+        </p:spPr>
+        <p:txBody>
+          <a:bodyPr wrap="square">
+            <a:spAutoFit/>
+          </a:bodyPr>
+          <a:lstStyle/>
+          <a:p>
+            <a:r>
+              <a:rPr lang="en-IN" dirty="0">
+                <a:solidFill>
+                  <a:srgbClr val="00B050"/>
+                </a:solidFill>
+              </a:rPr>
+              <a:t>Solution:</a:t>
+            </a:r>
+          </a:p>
+          <a:p>
+            <a:r>
+              <a:rPr lang="en-IN" dirty="0">
+                <a:solidFill>
+                  <a:srgbClr val="00B050"/>
+                </a:solidFill>
+              </a:rPr>
+              <a:t>As the given data was is categorical form and then converted into tabular format</a:t>
+            </a:r>
+          </a:p>
+          <a:p>
+            <a:r>
+              <a:rPr lang="en-IN" dirty="0">
+                <a:solidFill>
+                  <a:srgbClr val="00B050"/>
+                </a:solidFill>
+              </a:rPr>
+              <a:t>we will perform the chi-square test</a:t>
+            </a:r>
+          </a:p>
+          <a:p>
+            <a:r>
+              <a:rPr lang="en-IN" dirty="0">
+                <a:solidFill>
+                  <a:srgbClr val="00B050"/>
+                </a:solidFill>
+              </a:rPr>
+              <a:t>here, h0: all proportional are equal</a:t>
+            </a:r>
+          </a:p>
+          <a:p>
+            <a:r>
+              <a:rPr lang="en-IN" dirty="0">
+                <a:solidFill>
+                  <a:srgbClr val="00B050"/>
+                </a:solidFill>
+              </a:rPr>
+              <a:t>      h1: all proportional are not equal</a:t>
+            </a:r>
+          </a:p>
+          <a:p>
+            <a:endParaRPr lang="en-IN" dirty="0">
+              <a:solidFill>
+                <a:srgbClr val="00B050"/>
+              </a:solidFill>
+            </a:endParaRPr>
+          </a:p>
+          <a:p>
+            <a:r>
+              <a:rPr lang="en-IN" dirty="0">
+                <a:solidFill>
+                  <a:srgbClr val="00B050"/>
+                </a:solidFill>
+              </a:rPr>
+              <a:t>stats.chi1_contigency(table)</a:t>
+            </a:r>
+          </a:p>
+          <a:p>
+            <a:r>
+              <a:rPr lang="en-IN" dirty="0">
+                <a:solidFill>
+                  <a:srgbClr val="00B050"/>
+                </a:solidFill>
+              </a:rPr>
+              <a:t>p value = 0.6603</a:t>
+            </a:r>
+          </a:p>
+          <a:p>
+            <a:endParaRPr lang="en-IN" dirty="0">
+              <a:solidFill>
+                <a:srgbClr val="00B050"/>
+              </a:solidFill>
+            </a:endParaRPr>
+          </a:p>
+          <a:p>
+            <a:r>
+              <a:rPr lang="en-IN" dirty="0">
+                <a:solidFill>
+                  <a:srgbClr val="00B050"/>
+                </a:solidFill>
+              </a:rPr>
+              <a:t>as we can see the p-value is greater than 0.05</a:t>
+            </a:r>
+          </a:p>
+          <a:p>
+            <a:r>
+              <a:rPr lang="en-IN" dirty="0">
+                <a:solidFill>
+                  <a:srgbClr val="00B050"/>
+                </a:solidFill>
+              </a:rPr>
+              <a:t>we will reject the h0</a:t>
+            </a:r>
+          </a:p>
+          <a:p>
+            <a:r>
+              <a:rPr lang="en-IN" dirty="0">
+                <a:solidFill>
+                  <a:srgbClr val="00B050"/>
+                </a:solidFill>
+              </a:rPr>
+              <a:t>It mean all the proportional are not equal.</a:t>
+            </a:r>
+          </a:p>
+        </p:txBody>
+      </p:sp>
+    </p:spTree>
+    <p:extLst>
+      <p:ext uri="{BB962C8B-B14F-4D97-AF65-F5344CB8AC3E}">
+        <p14:creationId xmlns:p14="http://schemas.microsoft.com/office/powerpoint/2010/main" val="3481256049"/>
+      </p:ext>
+    </p:extLst>
+  </p:cSld>
+  <p:clrMapOvr>
+    <a:masterClrMapping/>
+  </p:clrMapOvr>
+</p:sld>
+</file>
+
+<file path=ppt/slides/slide5.xml><?xml version="1.0" encoding="utf-8"?>
+<p:sld xmlns:a="http://schemas.openxmlformats.org/drawingml/2006/main" xmlns:r="http://schemas.openxmlformats.org/officeDocument/2006/relationships" xmlns:p="http://schemas.openxmlformats.org/presentationml/2006/main">
+  <p:cSld>
+    <p:spTree>
+      <p:nvGrpSpPr>
+        <p:cNvPr id="1" name=""/>
+        <p:cNvGrpSpPr/>
+        <p:nvPr/>
+      </p:nvGrpSpPr>
+      <p:grpSpPr>
+        <a:xfrm>
+          <a:off x="0" y="0"/>
+          <a:ext cx="0" cy="0"/>
+          <a:chOff x="0" y="0"/>
+          <a:chExt cx="0" cy="0"/>
+        </a:xfrm>
+      </p:grpSpPr>
+      <p:sp>
+        <p:nvSpPr>
           <p:cNvPr id="2" name="Title 1"/>
           <p:cNvSpPr>
             <a:spLocks noGrp="1"/>
@@ -4181,7 +4516,7 @@
         </p:spPr>
         <p:txBody>
           <a:bodyPr>
-            <a:normAutofit fontScale="92500" lnSpcReduction="20000"/>
+            <a:normAutofit fontScale="55000" lnSpcReduction="20000"/>
           </a:bodyPr>
           <a:lstStyle/>
           <a:p>
@@ -4219,7 +4554,130 @@
                   <a:srgbClr val="00B050"/>
                 </a:solidFill>
               </a:rPr>
-              <a:t>Solution: Data is in categorical so we have to use Chi-square test</a:t>
+              <a:t>Solution:</a:t>
+            </a:r>
+          </a:p>
+          <a:p>
+            <a:pPr>
+              <a:buNone/>
+            </a:pPr>
+            <a:r>
+              <a:rPr lang="en-US" dirty="0">
+                <a:solidFill>
+                  <a:srgbClr val="00B050"/>
+                </a:solidFill>
+              </a:rPr>
+              <a:t>      Input are 4 discrete variables(Philippines, Indonesia, Malta, India)And output is also discrete we are trying to find out whether the defective percentage varies by </a:t>
+            </a:r>
+            <a:r>
+              <a:rPr lang="en-US" dirty="0" err="1">
+                <a:solidFill>
+                  <a:srgbClr val="00B050"/>
+                </a:solidFill>
+              </a:rPr>
+              <a:t>centre</a:t>
+            </a:r>
+            <a:r>
+              <a:rPr lang="en-US" dirty="0">
+                <a:solidFill>
+                  <a:srgbClr val="00B050"/>
+                </a:solidFill>
+              </a:rPr>
+              <a:t>.</a:t>
+            </a:r>
+          </a:p>
+          <a:p>
+            <a:pPr>
+              <a:buNone/>
+            </a:pPr>
+            <a:r>
+              <a:rPr lang="en-US" dirty="0">
+                <a:solidFill>
+                  <a:srgbClr val="00B050"/>
+                </a:solidFill>
+              </a:rPr>
+              <a:t>Ho= % of defective of all countries are equal % </a:t>
+            </a:r>
+            <a:r>
+              <a:rPr lang="en-US" dirty="0" err="1">
+                <a:solidFill>
+                  <a:srgbClr val="00B050"/>
+                </a:solidFill>
+              </a:rPr>
+              <a:t>Phillipness</a:t>
+            </a:r>
+            <a:r>
+              <a:rPr lang="en-US" dirty="0">
+                <a:solidFill>
+                  <a:srgbClr val="00B050"/>
+                </a:solidFill>
+              </a:rPr>
+              <a:t>=%Indonesia=%Malta=%India</a:t>
+            </a:r>
+          </a:p>
+          <a:p>
+            <a:pPr>
+              <a:buNone/>
+            </a:pPr>
+            <a:r>
+              <a:rPr lang="en-US" dirty="0">
+                <a:solidFill>
+                  <a:srgbClr val="00B050"/>
+                </a:solidFill>
+              </a:rPr>
+              <a:t>Ha =at lest one defective% is not equal</a:t>
+            </a:r>
+          </a:p>
+          <a:p>
+            <a:pPr>
+              <a:buNone/>
+            </a:pPr>
+            <a:r>
+              <a:rPr lang="en-US" dirty="0">
+                <a:solidFill>
+                  <a:srgbClr val="00B050"/>
+                </a:solidFill>
+              </a:rPr>
+              <a:t>Here we perform chi-square test</a:t>
+            </a:r>
+          </a:p>
+          <a:p>
+            <a:pPr>
+              <a:buNone/>
+            </a:pPr>
+            <a:r>
+              <a:rPr lang="en-US" dirty="0">
+                <a:solidFill>
+                  <a:srgbClr val="00B050"/>
+                </a:solidFill>
+              </a:rPr>
+              <a:t>p-value= 0.277&gt;0.05,</a:t>
+            </a:r>
+          </a:p>
+          <a:p>
+            <a:pPr>
+              <a:buNone/>
+            </a:pPr>
+            <a:r>
+              <a:rPr lang="en-US" dirty="0">
+                <a:solidFill>
+                  <a:srgbClr val="00B050"/>
+                </a:solidFill>
+              </a:rPr>
+              <a:t>p high Ho fly hence accept null hypothesis is percentage defective in all countries are equal</a:t>
+            </a:r>
+          </a:p>
+          <a:p>
+            <a:pPr>
+              <a:buNone/>
+            </a:pPr>
+            <a:r>
+              <a:rPr lang="en-US" dirty="0">
+                <a:solidFill>
+                  <a:srgbClr val="00B050"/>
+                </a:solidFill>
+              </a:rPr>
+              <a:t>inferences: as defective percentage is same in all countries there is no need of any action </a:t>
             </a:r>
           </a:p>
           <a:p>
